--- a/Data etc/Pres Wifi.pptx
+++ b/Data etc/Pres Wifi.pptx
@@ -53,11 +53,11 @@
     <p:sldId id="326" r:id="rId47"/>
     <p:sldId id="306" r:id="rId48"/>
     <p:sldId id="312" r:id="rId49"/>
-    <p:sldId id="309" r:id="rId50"/>
-    <p:sldId id="311" r:id="rId51"/>
-    <p:sldId id="310" r:id="rId52"/>
-    <p:sldId id="327" r:id="rId53"/>
-    <p:sldId id="313" r:id="rId54"/>
+    <p:sldId id="328" r:id="rId50"/>
+    <p:sldId id="329" r:id="rId51"/>
+    <p:sldId id="330" r:id="rId52"/>
+    <p:sldId id="331" r:id="rId53"/>
+    <p:sldId id="332" r:id="rId54"/>
   </p:sldIdLst>
   <p:sldSz cx="12192000" cy="6858000"/>
   <p:notesSz cx="6858000" cy="9144000"/>
@@ -25436,7 +25436,7 @@
         <p:spPr>
           <a:xfrm>
             <a:off x="6012110" y="489120"/>
-            <a:ext cx="6341969" cy="4401205"/>
+            <a:ext cx="6341969" cy="5047536"/>
           </a:xfrm>
           <a:prstGeom prst="rect">
             <a:avLst/>
@@ -25455,7 +25455,7 @@
                   <a:schemeClr val="accent6"/>
                 </a:solidFill>
               </a:rPr>
-              <a:t>Predict with KNN-5 on validation data</a:t>
+              <a:t>Predict with KNN-11 on validation data</a:t>
             </a:r>
           </a:p>
           <a:p>
@@ -25539,13 +25539,40 @@
                 <a:schemeClr val="accent1"/>
               </a:buClr>
             </a:pPr>
+            <a:endParaRPr lang="en-GB" sz="1400" dirty="0"/>
+          </a:p>
+          <a:p>
+            <a:pPr>
+              <a:buClr>
+                <a:schemeClr val="accent1"/>
+              </a:buClr>
+            </a:pPr>
+            <a:r>
+              <a:rPr lang="en-GB" sz="1400" dirty="0"/>
+              <a:t>10fold CV, number = 10, repeat = 2</a:t>
+            </a:r>
+          </a:p>
+          <a:p>
+            <a:pPr>
+              <a:buClr>
+                <a:schemeClr val="accent1"/>
+              </a:buClr>
+            </a:pPr>
+            <a:endParaRPr lang="en-GB" sz="1400" dirty="0"/>
+          </a:p>
+          <a:p>
+            <a:pPr>
+              <a:buClr>
+                <a:schemeClr val="accent1"/>
+              </a:buClr>
+            </a:pPr>
             <a:r>
               <a:rPr lang="en-GB" sz="1400" dirty="0" err="1"/>
               <a:t>TuneLength</a:t>
             </a:r>
             <a:r>
               <a:rPr lang="en-GB" sz="1400" dirty="0"/>
-              <a:t> = 5, </a:t>
+              <a:t> = 10, </a:t>
             </a:r>
             <a:r>
               <a:rPr lang="en-GB" sz="1400" dirty="0" err="1"/>
@@ -25557,7 +25584,7 @@
             </a:r>
           </a:p>
           <a:p>
-            <a:pPr algn="ctr">
+            <a:pPr>
               <a:buClr>
                 <a:schemeClr val="accent1"/>
               </a:buClr>
@@ -25692,7 +25719,7 @@
                   <a:schemeClr val="accent2"/>
                 </a:solidFill>
               </a:rPr>
-              <a:t>KNN-5</a:t>
+              <a:t>KNN-11</a:t>
             </a:r>
           </a:p>
         </p:txBody>
@@ -25826,7 +25853,7 @@
                   <a:schemeClr val="accent1"/>
                 </a:solidFill>
               </a:rPr>
-              <a:t>RMSE      		RSQ      	     MAE</a:t>
+              <a:t>RMSE      		RSQ      	     	MAE</a:t>
             </a:r>
           </a:p>
           <a:p>
@@ -25840,7 +25867,7 @@
             </a:r>
             <a:r>
               <a:rPr lang="en-GB" sz="2800" dirty="0"/>
-              <a:t>		9.583003 		86.53147      	5.768090</a:t>
+              <a:t>		9.356922 		87.15947 		5.698902</a:t>
             </a:r>
           </a:p>
           <a:p>
@@ -25854,7 +25881,7 @@
             </a:r>
             <a:r>
               <a:rPr lang="en-GB" sz="2800" dirty="0"/>
-              <a:t>		12.168918 		92.92093      	7.595147</a:t>
+              <a:t>		11.776899 		93.36969 		7.411041</a:t>
             </a:r>
           </a:p>
           <a:p>
@@ -25870,6 +25897,108 @@
               <a:rPr lang="en-GB" sz="2800" dirty="0"/>
               <a:t>		13.740808 		80.83327      	8.785949</a:t>
             </a:r>
+          </a:p>
+        </p:txBody>
+      </p:sp>
+      <p:sp>
+        <p:nvSpPr>
+          <p:cNvPr id="3" name="Rectangle 1">
+            <a:extLst>
+              <a:ext uri="{FF2B5EF4-FFF2-40B4-BE49-F238E27FC236}">
+                <a16:creationId xmlns:a16="http://schemas.microsoft.com/office/drawing/2014/main" id="{2E27861F-C0FB-4D68-9DBD-AA08B565D520}"/>
+              </a:ext>
+            </a:extLst>
+          </p:cNvPr>
+          <p:cNvSpPr>
+            <a:spLocks noChangeArrowheads="1"/>
+          </p:cNvSpPr>
+          <p:nvPr/>
+        </p:nvSpPr>
+        <p:spPr bwMode="auto">
+          <a:xfrm>
+            <a:off x="0" y="0"/>
+            <a:ext cx="12192000" cy="457200"/>
+          </a:xfrm>
+          <a:prstGeom prst="rect">
+            <a:avLst/>
+          </a:prstGeom>
+          <a:solidFill>
+            <a:srgbClr val="FFFFFF"/>
+          </a:solidFill>
+          <a:ln>
+            <a:noFill/>
+          </a:ln>
+          <a:effectLst/>
+          <a:extLst>
+            <a:ext uri="{91240B29-F687-4F45-9708-019B960494DF}">
+              <a14:hiddenLine xmlns:a14="http://schemas.microsoft.com/office/drawing/2010/main" w="9525">
+                <a:solidFill>
+                  <a:schemeClr val="tx1"/>
+                </a:solidFill>
+                <a:miter lim="800000"/>
+                <a:headEnd/>
+                <a:tailEnd/>
+              </a14:hiddenLine>
+            </a:ext>
+            <a:ext uri="{AF507438-7753-43E0-B8FC-AC1667EBCBE1}">
+              <a14:hiddenEffects xmlns:a14="http://schemas.microsoft.com/office/drawing/2010/main">
+                <a:effectLst>
+                  <a:outerShdw dist="35921" dir="2700000" algn="ctr" rotWithShape="0">
+                    <a:schemeClr val="bg2"/>
+                  </a:outerShdw>
+                </a:effectLst>
+              </a14:hiddenEffects>
+            </a:ext>
+          </a:extLst>
+        </p:spPr>
+        <p:txBody>
+          <a:bodyPr vert="horz" wrap="none" lIns="0" tIns="0" rIns="0" bIns="0" numCol="1" anchor="ctr" anchorCtr="0" compatLnSpc="1">
+            <a:prstTxWarp prst="textNoShape">
+              <a:avLst/>
+            </a:prstTxWarp>
+            <a:spAutoFit/>
+          </a:bodyPr>
+          <a:lstStyle/>
+          <a:p>
+            <a:pPr marL="0" marR="0" lvl="0" indent="0" algn="l" defTabSz="914400" rtl="0" eaLnBrk="0" fontAlgn="base" latinLnBrk="0" hangingPunct="0">
+              <a:lnSpc>
+                <a:spcPct val="100000"/>
+              </a:lnSpc>
+              <a:spcBef>
+                <a:spcPct val="0"/>
+              </a:spcBef>
+              <a:spcAft>
+                <a:spcPct val="0"/>
+              </a:spcAft>
+              <a:buClrTx/>
+              <a:buSzTx/>
+              <a:buFontTx/>
+              <a:buNone/>
+              <a:tabLst/>
+            </a:pPr>
+            <a:r>
+              <a:rPr kumimoji="0" lang="nl-NL" altLang="nl-NL" sz="900" b="0" i="0" u="none" strike="noStrike" cap="none" normalizeH="0" baseline="0">
+                <a:ln>
+                  <a:noFill/>
+                </a:ln>
+                <a:solidFill>
+                  <a:srgbClr val="000000"/>
+                </a:solidFill>
+                <a:effectLst/>
+                <a:latin typeface="Lucida Console" panose="020B0609040504020204" pitchFamily="49" charset="0"/>
+              </a:rPr>
+              <a:t>12.32565 85.04809 6.809100</a:t>
+            </a:r>
+            <a:endParaRPr kumimoji="0" lang="nl-NL" altLang="nl-NL" sz="1800" b="0" i="0" u="none" strike="noStrike" cap="none" normalizeH="0" baseline="0">
+              <a:ln>
+                <a:noFill/>
+              </a:ln>
+              <a:solidFill>
+                <a:schemeClr val="tx1"/>
+              </a:solidFill>
+              <a:effectLst/>
+              <a:latin typeface="Arial" panose="020B0604020202020204" pitchFamily="34" charset="0"/>
+            </a:endParaRPr>
           </a:p>
         </p:txBody>
       </p:sp>
@@ -25943,7 +26072,7 @@
                   <a:schemeClr val="accent2"/>
                 </a:solidFill>
               </a:rPr>
-              <a:t>KNN-5</a:t>
+              <a:t>KNN-11</a:t>
             </a:r>
           </a:p>
         </p:txBody>
@@ -27077,7 +27206,7 @@
 </file>
 
 <file path=ppt/slides/slide49.xml><?xml version="1.0" encoding="utf-8"?>
-<p:sld xmlns:a="http://schemas.openxmlformats.org/drawingml/2006/main" xmlns:r="http://schemas.openxmlformats.org/officeDocument/2006/relationships" xmlns:p="http://schemas.openxmlformats.org/presentationml/2006/main" showMasterSp="0">
+<p:sld xmlns:a="http://schemas.openxmlformats.org/drawingml/2006/main" xmlns:r="http://schemas.openxmlformats.org/officeDocument/2006/relationships" xmlns:p="http://schemas.openxmlformats.org/presentationml/2006/main">
   <p:cSld>
     <p:spTree>
       <p:nvGrpSpPr>
@@ -27111,8 +27240,8 @@
         </p:nvSpPr>
         <p:spPr>
           <a:xfrm>
-            <a:off x="728225" y="40743"/>
-            <a:ext cx="10515600" cy="1325563"/>
+            <a:off x="195291" y="163789"/>
+            <a:ext cx="10515600" cy="951947"/>
           </a:xfrm>
         </p:spPr>
         <p:txBody>
@@ -27125,41 +27254,25 @@
                   <a:schemeClr val="accent1"/>
                 </a:solidFill>
               </a:rPr>
-              <a:t>1</a:t>
-            </a:r>
-            <a:r>
-              <a:rPr lang="en-GB" b="1" baseline="30000" dirty="0">
-                <a:solidFill>
-                  <a:schemeClr val="accent1"/>
-                </a:solidFill>
-              </a:rPr>
-              <a:t>st</a:t>
+              <a:t>KPI’s Floor prediction based on </a:t>
             </a:r>
             <a:r>
               <a:rPr lang="en-GB" b="1" dirty="0">
                 <a:solidFill>
-                  <a:schemeClr val="accent1"/>
-                </a:solidFill>
-              </a:rPr>
-              <a:t> Predicted check coverage per floor </a:t>
-            </a:r>
-            <a:r>
-              <a:rPr lang="en-GB" b="1" dirty="0">
-                <a:solidFill>
                   <a:schemeClr val="accent2"/>
                 </a:solidFill>
               </a:rPr>
-              <a:t>B0</a:t>
+              <a:t>KNN-11</a:t>
             </a:r>
           </a:p>
         </p:txBody>
       </p:sp>
       <p:pic>
         <p:nvPicPr>
-          <p:cNvPr id="4" name="Afbeelding 3">
-            <a:extLst>
-              <a:ext uri="{FF2B5EF4-FFF2-40B4-BE49-F238E27FC236}">
-                <a16:creationId xmlns:a16="http://schemas.microsoft.com/office/drawing/2014/main" id="{CE1186E0-F3B0-41E0-9D98-0778C1D5C995}"/>
+          <p:cNvPr id="5" name="Afbeelding 4">
+            <a:extLst>
+              <a:ext uri="{FF2B5EF4-FFF2-40B4-BE49-F238E27FC236}">
+                <a16:creationId xmlns:a16="http://schemas.microsoft.com/office/drawing/2014/main" id="{20CFD75A-EB82-4DE7-AE83-7798DC7CD0B2}"/>
               </a:ext>
             </a:extLst>
           </p:cNvPr>
@@ -27170,13 +27283,13 @@
         </p:nvPicPr>
         <p:blipFill rotWithShape="1">
           <a:blip r:embed="rId2"/>
-          <a:srcRect t="2548" r="2102" b="7638"/>
+          <a:srcRect l="9843" r="4820"/>
           <a:stretch/>
         </p:blipFill>
         <p:spPr>
           <a:xfrm>
-            <a:off x="165570" y="2130804"/>
-            <a:ext cx="5505388" cy="3254928"/>
+            <a:off x="4256345" y="1573961"/>
+            <a:ext cx="1513952" cy="951947"/>
           </a:xfrm>
           <a:prstGeom prst="rect">
             <a:avLst/>
@@ -27185,10 +27298,10 @@
       </p:pic>
       <p:pic>
         <p:nvPicPr>
-          <p:cNvPr id="10" name="Afbeelding 9">
-            <a:extLst>
-              <a:ext uri="{FF2B5EF4-FFF2-40B4-BE49-F238E27FC236}">
-                <a16:creationId xmlns:a16="http://schemas.microsoft.com/office/drawing/2014/main" id="{52A5C522-EC7B-4EE8-ABB6-564A7D81CCE3}"/>
+          <p:cNvPr id="6" name="Afbeelding 5">
+            <a:extLst>
+              <a:ext uri="{FF2B5EF4-FFF2-40B4-BE49-F238E27FC236}">
+                <a16:creationId xmlns:a16="http://schemas.microsoft.com/office/drawing/2014/main" id="{9F957972-66DF-4D62-90CC-36A29BF69CB2}"/>
               </a:ext>
             </a:extLst>
           </p:cNvPr>
@@ -27205,57 +27318,650 @@
         </p:blipFill>
         <p:spPr>
           <a:xfrm>
-            <a:off x="5670958" y="1880232"/>
-            <a:ext cx="6416431" cy="4176057"/>
+            <a:off x="8122668" y="3595677"/>
+            <a:ext cx="3848100" cy="1781175"/>
           </a:xfrm>
           <a:prstGeom prst="rect">
             <a:avLst/>
           </a:prstGeom>
         </p:spPr>
       </p:pic>
-      <p:sp>
-        <p:nvSpPr>
-          <p:cNvPr id="3" name="Tekstvak 2">
-            <a:extLst>
-              <a:ext uri="{FF2B5EF4-FFF2-40B4-BE49-F238E27FC236}">
-                <a16:creationId xmlns:a16="http://schemas.microsoft.com/office/drawing/2014/main" id="{78F72FE6-3923-4DEC-9E49-3EFCD8C2A13B}"/>
-              </a:ext>
-            </a:extLst>
-          </p:cNvPr>
-          <p:cNvSpPr txBox="1"/>
+      <p:pic>
+        <p:nvPicPr>
+          <p:cNvPr id="7" name="Afbeelding 6">
+            <a:extLst>
+              <a:ext uri="{FF2B5EF4-FFF2-40B4-BE49-F238E27FC236}">
+                <a16:creationId xmlns:a16="http://schemas.microsoft.com/office/drawing/2014/main" id="{3E816649-A558-4D5E-B7F3-5ACF6D6B9F29}"/>
+              </a:ext>
+            </a:extLst>
+          </p:cNvPr>
+          <p:cNvPicPr>
+            <a:picLocks noChangeAspect="1"/>
+          </p:cNvPicPr>
           <p:nvPr/>
-        </p:nvSpPr>
-        <p:spPr>
-          <a:xfrm>
-            <a:off x="1270904" y="1287602"/>
-            <a:ext cx="9798423" cy="369332"/>
+        </p:nvPicPr>
+        <p:blipFill>
+          <a:blip r:embed="rId4"/>
+          <a:stretch>
+            <a:fillRect/>
+          </a:stretch>
+        </p:blipFill>
+        <p:spPr>
+          <a:xfrm>
+            <a:off x="4153854" y="3683226"/>
+            <a:ext cx="3733289" cy="1643063"/>
           </a:xfrm>
           <a:prstGeom prst="rect">
             <a:avLst/>
           </a:prstGeom>
+        </p:spPr>
+      </p:pic>
+      <p:pic>
+        <p:nvPicPr>
+          <p:cNvPr id="8" name="Afbeelding 7">
+            <a:extLst>
+              <a:ext uri="{FF2B5EF4-FFF2-40B4-BE49-F238E27FC236}">
+                <a16:creationId xmlns:a16="http://schemas.microsoft.com/office/drawing/2014/main" id="{7FFE7550-3701-4C85-97D7-7EF969BB0D0C}"/>
+              </a:ext>
+            </a:extLst>
+          </p:cNvPr>
+          <p:cNvPicPr>
+            <a:picLocks noChangeAspect="1"/>
+          </p:cNvPicPr>
+          <p:nvPr/>
+        </p:nvPicPr>
+        <p:blipFill>
+          <a:blip r:embed="rId5"/>
+          <a:stretch>
+            <a:fillRect/>
+          </a:stretch>
+        </p:blipFill>
+        <p:spPr>
+          <a:xfrm>
+            <a:off x="221232" y="3802289"/>
+            <a:ext cx="3600450" cy="1524000"/>
+          </a:xfrm>
+          <a:prstGeom prst="rect">
+            <a:avLst/>
+          </a:prstGeom>
+        </p:spPr>
+      </p:pic>
+      <p:sp>
+        <p:nvSpPr>
+          <p:cNvPr id="3" name="Ovaal 2">
+            <a:extLst>
+              <a:ext uri="{FF2B5EF4-FFF2-40B4-BE49-F238E27FC236}">
+                <a16:creationId xmlns:a16="http://schemas.microsoft.com/office/drawing/2014/main" id="{0E178A03-A2E7-449B-998E-4E0804E1A90F}"/>
+              </a:ext>
+            </a:extLst>
+          </p:cNvPr>
+          <p:cNvSpPr/>
+          <p:nvPr/>
+        </p:nvSpPr>
+        <p:spPr>
+          <a:xfrm>
+            <a:off x="1767093" y="3949271"/>
+            <a:ext cx="321497" cy="185720"/>
+          </a:xfrm>
+          <a:prstGeom prst="ellipse">
+            <a:avLst/>
+          </a:prstGeom>
           <a:noFill/>
-        </p:spPr>
+          <a:ln>
+            <a:solidFill>
+              <a:srgbClr val="FF0000"/>
+            </a:solidFill>
+          </a:ln>
+        </p:spPr>
+        <p:style>
+          <a:lnRef idx="2">
+            <a:schemeClr val="accent1">
+              <a:shade val="50000"/>
+            </a:schemeClr>
+          </a:lnRef>
+          <a:fillRef idx="1">
+            <a:schemeClr val="accent1"/>
+          </a:fillRef>
+          <a:effectRef idx="0">
+            <a:schemeClr val="accent1"/>
+          </a:effectRef>
+          <a:fontRef idx="minor">
+            <a:schemeClr val="lt1"/>
+          </a:fontRef>
+        </p:style>
         <p:txBody>
-          <a:bodyPr wrap="square" rtlCol="0">
-            <a:spAutoFit/>
-          </a:bodyPr>
+          <a:bodyPr rtlCol="0" anchor="ctr"/>
           <a:lstStyle/>
           <a:p>
-            <a:r>
-              <a:rPr lang="en-GB" b="1" dirty="0">
-                <a:solidFill>
-                  <a:schemeClr val="accent2"/>
-                </a:solidFill>
-              </a:rPr>
-              <a:t>Training							Validation</a:t>
-            </a:r>
+            <a:pPr algn="ctr"/>
+            <a:endParaRPr lang="en-GB"/>
+          </a:p>
+        </p:txBody>
+      </p:sp>
+      <p:sp>
+        <p:nvSpPr>
+          <p:cNvPr id="9" name="Ovaal 8">
+            <a:extLst>
+              <a:ext uri="{FF2B5EF4-FFF2-40B4-BE49-F238E27FC236}">
+                <a16:creationId xmlns:a16="http://schemas.microsoft.com/office/drawing/2014/main" id="{071F929B-BC8E-4530-9797-D5C322BBD44C}"/>
+              </a:ext>
+            </a:extLst>
+          </p:cNvPr>
+          <p:cNvSpPr/>
+          <p:nvPr/>
+        </p:nvSpPr>
+        <p:spPr>
+          <a:xfrm>
+            <a:off x="2106449" y="4108370"/>
+            <a:ext cx="321497" cy="185720"/>
+          </a:xfrm>
+          <a:prstGeom prst="ellipse">
+            <a:avLst/>
+          </a:prstGeom>
+          <a:noFill/>
+          <a:ln>
+            <a:solidFill>
+              <a:srgbClr val="FF0000"/>
+            </a:solidFill>
+          </a:ln>
+        </p:spPr>
+        <p:style>
+          <a:lnRef idx="2">
+            <a:schemeClr val="accent1">
+              <a:shade val="50000"/>
+            </a:schemeClr>
+          </a:lnRef>
+          <a:fillRef idx="1">
+            <a:schemeClr val="accent1"/>
+          </a:fillRef>
+          <a:effectRef idx="0">
+            <a:schemeClr val="accent1"/>
+          </a:effectRef>
+          <a:fontRef idx="minor">
+            <a:schemeClr val="lt1"/>
+          </a:fontRef>
+        </p:style>
+        <p:txBody>
+          <a:bodyPr rtlCol="0" anchor="ctr"/>
+          <a:lstStyle/>
+          <a:p>
+            <a:pPr algn="ctr"/>
+            <a:endParaRPr lang="en-GB"/>
+          </a:p>
+        </p:txBody>
+      </p:sp>
+      <p:sp>
+        <p:nvSpPr>
+          <p:cNvPr id="10" name="Ovaal 9">
+            <a:extLst>
+              <a:ext uri="{FF2B5EF4-FFF2-40B4-BE49-F238E27FC236}">
+                <a16:creationId xmlns:a16="http://schemas.microsoft.com/office/drawing/2014/main" id="{08B533B3-FB43-4DC4-BB9A-BC04D37B7E21}"/>
+              </a:ext>
+            </a:extLst>
+          </p:cNvPr>
+          <p:cNvSpPr/>
+          <p:nvPr/>
+        </p:nvSpPr>
+        <p:spPr>
+          <a:xfrm>
+            <a:off x="2444724" y="4281972"/>
+            <a:ext cx="321497" cy="185720"/>
+          </a:xfrm>
+          <a:prstGeom prst="ellipse">
+            <a:avLst/>
+          </a:prstGeom>
+          <a:noFill/>
+          <a:ln>
+            <a:solidFill>
+              <a:srgbClr val="FF0000"/>
+            </a:solidFill>
+          </a:ln>
+        </p:spPr>
+        <p:style>
+          <a:lnRef idx="2">
+            <a:schemeClr val="accent1">
+              <a:shade val="50000"/>
+            </a:schemeClr>
+          </a:lnRef>
+          <a:fillRef idx="1">
+            <a:schemeClr val="accent1"/>
+          </a:fillRef>
+          <a:effectRef idx="0">
+            <a:schemeClr val="accent1"/>
+          </a:effectRef>
+          <a:fontRef idx="minor">
+            <a:schemeClr val="lt1"/>
+          </a:fontRef>
+        </p:style>
+        <p:txBody>
+          <a:bodyPr rtlCol="0" anchor="ctr"/>
+          <a:lstStyle/>
+          <a:p>
+            <a:pPr algn="ctr"/>
+            <a:endParaRPr lang="en-GB"/>
+          </a:p>
+        </p:txBody>
+      </p:sp>
+      <p:sp>
+        <p:nvSpPr>
+          <p:cNvPr id="12" name="Ovaal 11">
+            <a:extLst>
+              <a:ext uri="{FF2B5EF4-FFF2-40B4-BE49-F238E27FC236}">
+                <a16:creationId xmlns:a16="http://schemas.microsoft.com/office/drawing/2014/main" id="{3783B6A7-72C4-43C4-A1D6-93E0DCC05D35}"/>
+              </a:ext>
+            </a:extLst>
+          </p:cNvPr>
+          <p:cNvSpPr/>
+          <p:nvPr/>
+        </p:nvSpPr>
+        <p:spPr>
+          <a:xfrm>
+            <a:off x="2106450" y="4443968"/>
+            <a:ext cx="321497" cy="185720"/>
+          </a:xfrm>
+          <a:prstGeom prst="ellipse">
+            <a:avLst/>
+          </a:prstGeom>
+          <a:noFill/>
+          <a:ln>
+            <a:solidFill>
+              <a:srgbClr val="FF0000"/>
+            </a:solidFill>
+          </a:ln>
+        </p:spPr>
+        <p:style>
+          <a:lnRef idx="2">
+            <a:schemeClr val="accent1">
+              <a:shade val="50000"/>
+            </a:schemeClr>
+          </a:lnRef>
+          <a:fillRef idx="1">
+            <a:schemeClr val="accent1"/>
+          </a:fillRef>
+          <a:effectRef idx="0">
+            <a:schemeClr val="accent1"/>
+          </a:effectRef>
+          <a:fontRef idx="minor">
+            <a:schemeClr val="lt1"/>
+          </a:fontRef>
+        </p:style>
+        <p:txBody>
+          <a:bodyPr rtlCol="0" anchor="ctr"/>
+          <a:lstStyle/>
+          <a:p>
+            <a:pPr algn="ctr"/>
+            <a:endParaRPr lang="en-GB"/>
+          </a:p>
+        </p:txBody>
+      </p:sp>
+      <p:sp>
+        <p:nvSpPr>
+          <p:cNvPr id="13" name="Ovaal 12">
+            <a:extLst>
+              <a:ext uri="{FF2B5EF4-FFF2-40B4-BE49-F238E27FC236}">
+                <a16:creationId xmlns:a16="http://schemas.microsoft.com/office/drawing/2014/main" id="{78640C05-C0AB-48F2-A0F2-A57BE258A689}"/>
+              </a:ext>
+            </a:extLst>
+          </p:cNvPr>
+          <p:cNvSpPr/>
+          <p:nvPr/>
+        </p:nvSpPr>
+        <p:spPr>
+          <a:xfrm>
+            <a:off x="1750315" y="4443968"/>
+            <a:ext cx="321497" cy="185720"/>
+          </a:xfrm>
+          <a:prstGeom prst="ellipse">
+            <a:avLst/>
+          </a:prstGeom>
+          <a:noFill/>
+          <a:ln>
+            <a:solidFill>
+              <a:srgbClr val="FF0000"/>
+            </a:solidFill>
+          </a:ln>
+        </p:spPr>
+        <p:style>
+          <a:lnRef idx="2">
+            <a:schemeClr val="accent1">
+              <a:shade val="50000"/>
+            </a:schemeClr>
+          </a:lnRef>
+          <a:fillRef idx="1">
+            <a:schemeClr val="accent1"/>
+          </a:fillRef>
+          <a:effectRef idx="0">
+            <a:schemeClr val="accent1"/>
+          </a:effectRef>
+          <a:fontRef idx="minor">
+            <a:schemeClr val="lt1"/>
+          </a:fontRef>
+        </p:style>
+        <p:txBody>
+          <a:bodyPr rtlCol="0" anchor="ctr"/>
+          <a:lstStyle/>
+          <a:p>
+            <a:pPr algn="ctr"/>
+            <a:endParaRPr lang="en-GB"/>
+          </a:p>
+        </p:txBody>
+      </p:sp>
+      <p:sp>
+        <p:nvSpPr>
+          <p:cNvPr id="14" name="Ovaal 13">
+            <a:extLst>
+              <a:ext uri="{FF2B5EF4-FFF2-40B4-BE49-F238E27FC236}">
+                <a16:creationId xmlns:a16="http://schemas.microsoft.com/office/drawing/2014/main" id="{DDE5A7D7-35DE-4A2F-B909-FF84AC760987}"/>
+              </a:ext>
+            </a:extLst>
+          </p:cNvPr>
+          <p:cNvSpPr/>
+          <p:nvPr/>
+        </p:nvSpPr>
+        <p:spPr>
+          <a:xfrm>
+            <a:off x="1793301" y="4265194"/>
+            <a:ext cx="321497" cy="185720"/>
+          </a:xfrm>
+          <a:prstGeom prst="ellipse">
+            <a:avLst/>
+          </a:prstGeom>
+          <a:noFill/>
+          <a:ln>
+            <a:solidFill>
+              <a:srgbClr val="FF0000"/>
+            </a:solidFill>
+          </a:ln>
+        </p:spPr>
+        <p:style>
+          <a:lnRef idx="2">
+            <a:schemeClr val="accent1">
+              <a:shade val="50000"/>
+            </a:schemeClr>
+          </a:lnRef>
+          <a:fillRef idx="1">
+            <a:schemeClr val="accent1"/>
+          </a:fillRef>
+          <a:effectRef idx="0">
+            <a:schemeClr val="accent1"/>
+          </a:effectRef>
+          <a:fontRef idx="minor">
+            <a:schemeClr val="lt1"/>
+          </a:fontRef>
+        </p:style>
+        <p:txBody>
+          <a:bodyPr rtlCol="0" anchor="ctr"/>
+          <a:lstStyle/>
+          <a:p>
+            <a:pPr algn="ctr"/>
+            <a:endParaRPr lang="en-GB"/>
+          </a:p>
+        </p:txBody>
+      </p:sp>
+      <p:sp>
+        <p:nvSpPr>
+          <p:cNvPr id="15" name="Ovaal 14">
+            <a:extLst>
+              <a:ext uri="{FF2B5EF4-FFF2-40B4-BE49-F238E27FC236}">
+                <a16:creationId xmlns:a16="http://schemas.microsoft.com/office/drawing/2014/main" id="{2D0FA962-0616-4768-AA15-DCF875F9062D}"/>
+              </a:ext>
+            </a:extLst>
+          </p:cNvPr>
+          <p:cNvSpPr/>
+          <p:nvPr/>
+        </p:nvSpPr>
+        <p:spPr>
+          <a:xfrm>
+            <a:off x="5935251" y="4393405"/>
+            <a:ext cx="321497" cy="185720"/>
+          </a:xfrm>
+          <a:prstGeom prst="ellipse">
+            <a:avLst/>
+          </a:prstGeom>
+          <a:noFill/>
+          <a:ln>
+            <a:solidFill>
+              <a:srgbClr val="FF0000"/>
+            </a:solidFill>
+          </a:ln>
+        </p:spPr>
+        <p:style>
+          <a:lnRef idx="2">
+            <a:schemeClr val="accent1">
+              <a:shade val="50000"/>
+            </a:schemeClr>
+          </a:lnRef>
+          <a:fillRef idx="1">
+            <a:schemeClr val="accent1"/>
+          </a:fillRef>
+          <a:effectRef idx="0">
+            <a:schemeClr val="accent1"/>
+          </a:effectRef>
+          <a:fontRef idx="minor">
+            <a:schemeClr val="lt1"/>
+          </a:fontRef>
+        </p:style>
+        <p:txBody>
+          <a:bodyPr rtlCol="0" anchor="ctr"/>
+          <a:lstStyle/>
+          <a:p>
+            <a:pPr algn="ctr"/>
+            <a:endParaRPr lang="en-GB"/>
+          </a:p>
+        </p:txBody>
+      </p:sp>
+      <p:sp>
+        <p:nvSpPr>
+          <p:cNvPr id="16" name="Ovaal 15">
+            <a:extLst>
+              <a:ext uri="{FF2B5EF4-FFF2-40B4-BE49-F238E27FC236}">
+                <a16:creationId xmlns:a16="http://schemas.microsoft.com/office/drawing/2014/main" id="{5C8A7165-781E-4A8B-92D9-EB4351F4CF07}"/>
+              </a:ext>
+            </a:extLst>
+          </p:cNvPr>
+          <p:cNvSpPr/>
+          <p:nvPr/>
+        </p:nvSpPr>
+        <p:spPr>
+          <a:xfrm>
+            <a:off x="10719280" y="4263943"/>
+            <a:ext cx="321497" cy="185720"/>
+          </a:xfrm>
+          <a:prstGeom prst="ellipse">
+            <a:avLst/>
+          </a:prstGeom>
+          <a:noFill/>
+          <a:ln>
+            <a:solidFill>
+              <a:srgbClr val="FF0000"/>
+            </a:solidFill>
+          </a:ln>
+        </p:spPr>
+        <p:style>
+          <a:lnRef idx="2">
+            <a:schemeClr val="accent1">
+              <a:shade val="50000"/>
+            </a:schemeClr>
+          </a:lnRef>
+          <a:fillRef idx="1">
+            <a:schemeClr val="accent1"/>
+          </a:fillRef>
+          <a:effectRef idx="0">
+            <a:schemeClr val="accent1"/>
+          </a:effectRef>
+          <a:fontRef idx="minor">
+            <a:schemeClr val="lt1"/>
+          </a:fontRef>
+        </p:style>
+        <p:txBody>
+          <a:bodyPr rtlCol="0" anchor="ctr"/>
+          <a:lstStyle/>
+          <a:p>
+            <a:pPr algn="ctr"/>
+            <a:endParaRPr lang="en-GB"/>
+          </a:p>
+        </p:txBody>
+      </p:sp>
+      <p:sp>
+        <p:nvSpPr>
+          <p:cNvPr id="17" name="Ovaal 16">
+            <a:extLst>
+              <a:ext uri="{FF2B5EF4-FFF2-40B4-BE49-F238E27FC236}">
+                <a16:creationId xmlns:a16="http://schemas.microsoft.com/office/drawing/2014/main" id="{80566951-D392-4E0A-96F9-7081A97EF79F}"/>
+              </a:ext>
+            </a:extLst>
+          </p:cNvPr>
+          <p:cNvSpPr/>
+          <p:nvPr/>
+        </p:nvSpPr>
+        <p:spPr>
+          <a:xfrm>
+            <a:off x="5656740" y="4217337"/>
+            <a:ext cx="321497" cy="185720"/>
+          </a:xfrm>
+          <a:prstGeom prst="ellipse">
+            <a:avLst/>
+          </a:prstGeom>
+          <a:noFill/>
+          <a:ln>
+            <a:solidFill>
+              <a:srgbClr val="FF0000"/>
+            </a:solidFill>
+          </a:ln>
+        </p:spPr>
+        <p:style>
+          <a:lnRef idx="2">
+            <a:schemeClr val="accent1">
+              <a:shade val="50000"/>
+            </a:schemeClr>
+          </a:lnRef>
+          <a:fillRef idx="1">
+            <a:schemeClr val="accent1"/>
+          </a:fillRef>
+          <a:effectRef idx="0">
+            <a:schemeClr val="accent1"/>
+          </a:effectRef>
+          <a:fontRef idx="minor">
+            <a:schemeClr val="lt1"/>
+          </a:fontRef>
+        </p:style>
+        <p:txBody>
+          <a:bodyPr rtlCol="0" anchor="ctr"/>
+          <a:lstStyle/>
+          <a:p>
+            <a:pPr algn="ctr"/>
+            <a:endParaRPr lang="en-GB"/>
+          </a:p>
+        </p:txBody>
+      </p:sp>
+      <p:sp>
+        <p:nvSpPr>
+          <p:cNvPr id="18" name="Ovaal 17">
+            <a:extLst>
+              <a:ext uri="{FF2B5EF4-FFF2-40B4-BE49-F238E27FC236}">
+                <a16:creationId xmlns:a16="http://schemas.microsoft.com/office/drawing/2014/main" id="{CCF7C38A-0CF4-473E-B7F4-4A33528BE9FE}"/>
+              </a:ext>
+            </a:extLst>
+          </p:cNvPr>
+          <p:cNvSpPr/>
+          <p:nvPr/>
+        </p:nvSpPr>
+        <p:spPr>
+          <a:xfrm>
+            <a:off x="10046718" y="4265194"/>
+            <a:ext cx="321497" cy="185720"/>
+          </a:xfrm>
+          <a:prstGeom prst="ellipse">
+            <a:avLst/>
+          </a:prstGeom>
+          <a:noFill/>
+          <a:ln>
+            <a:solidFill>
+              <a:srgbClr val="FF0000"/>
+            </a:solidFill>
+          </a:ln>
+        </p:spPr>
+        <p:style>
+          <a:lnRef idx="2">
+            <a:schemeClr val="accent1">
+              <a:shade val="50000"/>
+            </a:schemeClr>
+          </a:lnRef>
+          <a:fillRef idx="1">
+            <a:schemeClr val="accent1"/>
+          </a:fillRef>
+          <a:effectRef idx="0">
+            <a:schemeClr val="accent1"/>
+          </a:effectRef>
+          <a:fontRef idx="minor">
+            <a:schemeClr val="lt1"/>
+          </a:fontRef>
+        </p:style>
+        <p:txBody>
+          <a:bodyPr rtlCol="0" anchor="ctr"/>
+          <a:lstStyle/>
+          <a:p>
+            <a:pPr algn="ctr"/>
+            <a:endParaRPr lang="en-GB"/>
+          </a:p>
+        </p:txBody>
+      </p:sp>
+      <p:sp>
+        <p:nvSpPr>
+          <p:cNvPr id="19" name="Ovaal 18">
+            <a:extLst>
+              <a:ext uri="{FF2B5EF4-FFF2-40B4-BE49-F238E27FC236}">
+                <a16:creationId xmlns:a16="http://schemas.microsoft.com/office/drawing/2014/main" id="{5B7A52E6-46B7-42E8-994E-8F6FB2B811DF}"/>
+              </a:ext>
+            </a:extLst>
+          </p:cNvPr>
+          <p:cNvSpPr/>
+          <p:nvPr/>
+        </p:nvSpPr>
+        <p:spPr>
+          <a:xfrm>
+            <a:off x="10028787" y="3942157"/>
+            <a:ext cx="321497" cy="185720"/>
+          </a:xfrm>
+          <a:prstGeom prst="ellipse">
+            <a:avLst/>
+          </a:prstGeom>
+          <a:noFill/>
+          <a:ln>
+            <a:solidFill>
+              <a:srgbClr val="FF0000"/>
+            </a:solidFill>
+          </a:ln>
+        </p:spPr>
+        <p:style>
+          <a:lnRef idx="2">
+            <a:schemeClr val="accent1">
+              <a:shade val="50000"/>
+            </a:schemeClr>
+          </a:lnRef>
+          <a:fillRef idx="1">
+            <a:schemeClr val="accent1"/>
+          </a:fillRef>
+          <a:effectRef idx="0">
+            <a:schemeClr val="accent1"/>
+          </a:effectRef>
+          <a:fontRef idx="minor">
+            <a:schemeClr val="lt1"/>
+          </a:fontRef>
+        </p:style>
+        <p:txBody>
+          <a:bodyPr rtlCol="0" anchor="ctr"/>
+          <a:lstStyle/>
+          <a:p>
+            <a:pPr algn="ctr"/>
+            <a:endParaRPr lang="en-GB"/>
           </a:p>
         </p:txBody>
       </p:sp>
     </p:spTree>
     <p:extLst>
       <p:ext uri="{BB962C8B-B14F-4D97-AF65-F5344CB8AC3E}">
-        <p14:creationId xmlns:p14="http://schemas.microsoft.com/office/powerpoint/2010/main" val="250875069"/>
+        <p14:creationId xmlns:p14="http://schemas.microsoft.com/office/powerpoint/2010/main" val="2965309770"/>
       </p:ext>
     </p:extLst>
   </p:cSld>
@@ -29952,7 +30658,7 @@
 </file>
 
 <file path=ppt/slides/slide50.xml><?xml version="1.0" encoding="utf-8"?>
-<p:sld xmlns:a="http://schemas.openxmlformats.org/drawingml/2006/main" xmlns:r="http://schemas.openxmlformats.org/officeDocument/2006/relationships" xmlns:p="http://schemas.openxmlformats.org/presentationml/2006/main" showMasterSp="0">
+<p:sld xmlns:a="http://schemas.openxmlformats.org/drawingml/2006/main" xmlns:r="http://schemas.openxmlformats.org/officeDocument/2006/relationships" xmlns:p="http://schemas.openxmlformats.org/presentationml/2006/main">
   <p:cSld>
     <p:spTree>
       <p:nvGrpSpPr>
@@ -29986,8 +30692,8 @@
         </p:nvSpPr>
         <p:spPr>
           <a:xfrm>
-            <a:off x="728225" y="40743"/>
-            <a:ext cx="10515600" cy="1325563"/>
+            <a:off x="0" y="40743"/>
+            <a:ext cx="6740484" cy="1325563"/>
           </a:xfrm>
         </p:spPr>
         <p:txBody>
@@ -30000,7 +30706,7 @@
                   <a:schemeClr val="accent1"/>
                 </a:solidFill>
               </a:rPr>
-              <a:t>1</a:t>
+              <a:t>Check predicted (1</a:t>
             </a:r>
             <a:r>
               <a:rPr lang="en-GB" b="1" baseline="30000" dirty="0">
@@ -30016,25 +30722,30 @@
                   <a:schemeClr val="accent1"/>
                 </a:solidFill>
               </a:rPr>
-              <a:t> Predicted check coverage per floor </a:t>
-            </a:r>
-            <a:r>
-              <a:rPr lang="en-GB" b="1" dirty="0">
-                <a:solidFill>
-                  <a:schemeClr val="accent2"/>
-                </a:solidFill>
-              </a:rPr>
-              <a:t>B1</a:t>
-            </a:r>
+              <a:t>) long/</a:t>
+            </a:r>
+            <a:r>
+              <a:rPr lang="en-GB" b="1" dirty="0" err="1">
+                <a:solidFill>
+                  <a:schemeClr val="accent1"/>
+                </a:solidFill>
+              </a:rPr>
+              <a:t>lat</a:t>
+            </a:r>
+            <a:endParaRPr lang="en-GB" b="1" dirty="0">
+              <a:solidFill>
+                <a:schemeClr val="accent1"/>
+              </a:solidFill>
+            </a:endParaRPr>
           </a:p>
         </p:txBody>
       </p:sp>
       <p:pic>
         <p:nvPicPr>
-          <p:cNvPr id="6" name="Afbeelding 5">
-            <a:extLst>
-              <a:ext uri="{FF2B5EF4-FFF2-40B4-BE49-F238E27FC236}">
-                <a16:creationId xmlns:a16="http://schemas.microsoft.com/office/drawing/2014/main" id="{5BD9CB76-A08B-4A9F-9EE6-94C3CDB1B95B}"/>
+          <p:cNvPr id="5" name="Afbeelding 4">
+            <a:extLst>
+              <a:ext uri="{FF2B5EF4-FFF2-40B4-BE49-F238E27FC236}">
+                <a16:creationId xmlns:a16="http://schemas.microsoft.com/office/drawing/2014/main" id="{3CA4B7C7-00BE-4F1B-A51D-D6224AAC9E7D}"/>
               </a:ext>
             </a:extLst>
           </p:cNvPr>
@@ -30051,55 +30762,20 @@
         </p:blipFill>
         <p:spPr>
           <a:xfrm>
-            <a:off x="0" y="2294618"/>
-            <a:ext cx="5829176" cy="3644787"/>
+            <a:off x="3909326" y="3905927"/>
+            <a:ext cx="4637260" cy="2919486"/>
           </a:xfrm>
           <a:prstGeom prst="rect">
             <a:avLst/>
           </a:prstGeom>
         </p:spPr>
       </p:pic>
-      <p:sp>
-        <p:nvSpPr>
-          <p:cNvPr id="7" name="Tekstvak 6">
-            <a:extLst>
-              <a:ext uri="{FF2B5EF4-FFF2-40B4-BE49-F238E27FC236}">
-                <a16:creationId xmlns:a16="http://schemas.microsoft.com/office/drawing/2014/main" id="{EEA0AB34-1271-4E4B-B06E-1E91AD4E2F30}"/>
-              </a:ext>
-            </a:extLst>
-          </p:cNvPr>
-          <p:cNvSpPr txBox="1"/>
-          <p:nvPr/>
-        </p:nvSpPr>
-        <p:spPr>
-          <a:xfrm>
-            <a:off x="1191433" y="1934407"/>
-            <a:ext cx="2743200" cy="338554"/>
-          </a:xfrm>
-          <a:prstGeom prst="rect">
-            <a:avLst/>
-          </a:prstGeom>
-          <a:noFill/>
-        </p:spPr>
-        <p:txBody>
-          <a:bodyPr wrap="square" rtlCol="0">
-            <a:spAutoFit/>
-          </a:bodyPr>
-          <a:lstStyle/>
-          <a:p>
-            <a:r>
-              <a:rPr lang="en-GB" sz="1600" b="1" dirty="0"/>
-              <a:t>Building 1 Log in Points</a:t>
-            </a:r>
-          </a:p>
-        </p:txBody>
-      </p:sp>
       <p:pic>
         <p:nvPicPr>
-          <p:cNvPr id="3" name="Afbeelding 2">
-            <a:extLst>
-              <a:ext uri="{FF2B5EF4-FFF2-40B4-BE49-F238E27FC236}">
-                <a16:creationId xmlns:a16="http://schemas.microsoft.com/office/drawing/2014/main" id="{956B991E-E03D-4966-B24B-4D0EF1D29E79}"/>
+          <p:cNvPr id="4" name="Afbeelding 3">
+            <a:extLst>
+              <a:ext uri="{FF2B5EF4-FFF2-40B4-BE49-F238E27FC236}">
+                <a16:creationId xmlns:a16="http://schemas.microsoft.com/office/drawing/2014/main" id="{07D2D639-F6F3-437C-BB76-7E59968F6478}"/>
               </a:ext>
             </a:extLst>
           </p:cNvPr>
@@ -30108,64 +30784,294 @@
           </p:cNvPicPr>
           <p:nvPr/>
         </p:nvPicPr>
-        <p:blipFill rotWithShape="1">
+        <p:blipFill>
           <a:blip r:embed="rId3"/>
-          <a:srcRect t="3575" r="2781"/>
-          <a:stretch/>
+          <a:stretch>
+            <a:fillRect/>
+          </a:stretch>
         </p:blipFill>
         <p:spPr>
           <a:xfrm>
-            <a:off x="5373562" y="1880595"/>
-            <a:ext cx="6620967" cy="4472831"/>
+            <a:off x="184277" y="1395076"/>
+            <a:ext cx="3948453" cy="2502695"/>
           </a:xfrm>
           <a:prstGeom prst="rect">
             <a:avLst/>
           </a:prstGeom>
         </p:spPr>
       </p:pic>
-      <p:sp>
-        <p:nvSpPr>
-          <p:cNvPr id="8" name="Tekstvak 7">
-            <a:extLst>
-              <a:ext uri="{FF2B5EF4-FFF2-40B4-BE49-F238E27FC236}">
-                <a16:creationId xmlns:a16="http://schemas.microsoft.com/office/drawing/2014/main" id="{C373949F-B01C-4279-862A-649F2E27E2C0}"/>
-              </a:ext>
-            </a:extLst>
-          </p:cNvPr>
-          <p:cNvSpPr txBox="1"/>
+      <p:pic>
+        <p:nvPicPr>
+          <p:cNvPr id="6" name="Afbeelding 5">
+            <a:extLst>
+              <a:ext uri="{FF2B5EF4-FFF2-40B4-BE49-F238E27FC236}">
+                <a16:creationId xmlns:a16="http://schemas.microsoft.com/office/drawing/2014/main" id="{F0BE6475-07F7-469C-A3AC-2F2B9471E926}"/>
+              </a:ext>
+            </a:extLst>
+          </p:cNvPr>
+          <p:cNvPicPr>
+            <a:picLocks noChangeAspect="1"/>
+          </p:cNvPicPr>
           <p:nvPr/>
-        </p:nvSpPr>
-        <p:spPr>
-          <a:xfrm>
-            <a:off x="1196788" y="1382630"/>
-            <a:ext cx="9798423" cy="369332"/>
+        </p:nvPicPr>
+        <p:blipFill>
+          <a:blip r:embed="rId4"/>
+          <a:stretch>
+            <a:fillRect/>
+          </a:stretch>
+        </p:blipFill>
+        <p:spPr>
+          <a:xfrm>
+            <a:off x="4237798" y="1365572"/>
+            <a:ext cx="3980316" cy="2511585"/>
           </a:xfrm>
           <a:prstGeom prst="rect">
             <a:avLst/>
           </a:prstGeom>
+        </p:spPr>
+      </p:pic>
+      <p:pic>
+        <p:nvPicPr>
+          <p:cNvPr id="7" name="Afbeelding 6">
+            <a:extLst>
+              <a:ext uri="{FF2B5EF4-FFF2-40B4-BE49-F238E27FC236}">
+                <a16:creationId xmlns:a16="http://schemas.microsoft.com/office/drawing/2014/main" id="{B257F0B8-EB0B-4DB1-8E28-F96820F99A55}"/>
+              </a:ext>
+            </a:extLst>
+          </p:cNvPr>
+          <p:cNvPicPr>
+            <a:picLocks noChangeAspect="1"/>
+          </p:cNvPicPr>
+          <p:nvPr/>
+        </p:nvPicPr>
+        <p:blipFill>
+          <a:blip r:embed="rId5"/>
+          <a:stretch>
+            <a:fillRect/>
+          </a:stretch>
+        </p:blipFill>
+        <p:spPr>
+          <a:xfrm>
+            <a:off x="8323182" y="1395076"/>
+            <a:ext cx="3747781" cy="2376771"/>
+          </a:xfrm>
+          <a:prstGeom prst="rect">
+            <a:avLst/>
+          </a:prstGeom>
+        </p:spPr>
+      </p:pic>
+      <p:sp>
+        <p:nvSpPr>
+          <p:cNvPr id="3" name="Ovaal 2">
+            <a:extLst>
+              <a:ext uri="{FF2B5EF4-FFF2-40B4-BE49-F238E27FC236}">
+                <a16:creationId xmlns:a16="http://schemas.microsoft.com/office/drawing/2014/main" id="{F1E53B12-0A49-45B1-9441-727E0C17168D}"/>
+              </a:ext>
+            </a:extLst>
+          </p:cNvPr>
+          <p:cNvSpPr/>
+          <p:nvPr/>
+        </p:nvSpPr>
+        <p:spPr>
+          <a:xfrm rot="20257874">
+            <a:off x="754904" y="1902745"/>
+            <a:ext cx="1662112" cy="730721"/>
+          </a:xfrm>
+          <a:prstGeom prst="ellipse">
+            <a:avLst/>
+          </a:prstGeom>
           <a:noFill/>
-        </p:spPr>
+          <a:ln w="19050">
+            <a:solidFill>
+              <a:srgbClr val="FF0000"/>
+            </a:solidFill>
+          </a:ln>
+        </p:spPr>
+        <p:style>
+          <a:lnRef idx="2">
+            <a:schemeClr val="accent1">
+              <a:shade val="50000"/>
+            </a:schemeClr>
+          </a:lnRef>
+          <a:fillRef idx="1">
+            <a:schemeClr val="accent1"/>
+          </a:fillRef>
+          <a:effectRef idx="0">
+            <a:schemeClr val="accent1"/>
+          </a:effectRef>
+          <a:fontRef idx="minor">
+            <a:schemeClr val="lt1"/>
+          </a:fontRef>
+        </p:style>
         <p:txBody>
-          <a:bodyPr wrap="square" rtlCol="0">
-            <a:spAutoFit/>
-          </a:bodyPr>
+          <a:bodyPr rtlCol="0" anchor="ctr"/>
           <a:lstStyle/>
           <a:p>
-            <a:r>
-              <a:rPr lang="en-GB" b="1" dirty="0">
-                <a:solidFill>
-                  <a:schemeClr val="accent2"/>
-                </a:solidFill>
-              </a:rPr>
-              <a:t>Training							Validation</a:t>
-            </a:r>
+            <a:pPr algn="ctr"/>
+            <a:endParaRPr lang="en-GB" dirty="0"/>
+          </a:p>
+        </p:txBody>
+      </p:sp>
+      <p:sp>
+        <p:nvSpPr>
+          <p:cNvPr id="8" name="Ovaal 7">
+            <a:extLst>
+              <a:ext uri="{FF2B5EF4-FFF2-40B4-BE49-F238E27FC236}">
+                <a16:creationId xmlns:a16="http://schemas.microsoft.com/office/drawing/2014/main" id="{2F462109-EF47-4050-9326-648C54EBB4F8}"/>
+              </a:ext>
+            </a:extLst>
+          </p:cNvPr>
+          <p:cNvSpPr/>
+          <p:nvPr/>
+        </p:nvSpPr>
+        <p:spPr>
+          <a:xfrm rot="19219012">
+            <a:off x="2685303" y="2140892"/>
+            <a:ext cx="1210470" cy="693098"/>
+          </a:xfrm>
+          <a:prstGeom prst="ellipse">
+            <a:avLst/>
+          </a:prstGeom>
+          <a:noFill/>
+          <a:ln w="19050">
+            <a:solidFill>
+              <a:srgbClr val="FF0000"/>
+            </a:solidFill>
+          </a:ln>
+        </p:spPr>
+        <p:style>
+          <a:lnRef idx="2">
+            <a:schemeClr val="accent1">
+              <a:shade val="50000"/>
+            </a:schemeClr>
+          </a:lnRef>
+          <a:fillRef idx="1">
+            <a:schemeClr val="accent1"/>
+          </a:fillRef>
+          <a:effectRef idx="0">
+            <a:schemeClr val="accent1"/>
+          </a:effectRef>
+          <a:fontRef idx="minor">
+            <a:schemeClr val="lt1"/>
+          </a:fontRef>
+        </p:style>
+        <p:txBody>
+          <a:bodyPr rtlCol="0" anchor="ctr"/>
+          <a:lstStyle/>
+          <a:p>
+            <a:pPr algn="ctr"/>
+            <a:endParaRPr lang="en-GB" dirty="0"/>
+          </a:p>
+        </p:txBody>
+      </p:sp>
+      <p:sp>
+        <p:nvSpPr>
+          <p:cNvPr id="9" name="Ovaal 8">
+            <a:extLst>
+              <a:ext uri="{FF2B5EF4-FFF2-40B4-BE49-F238E27FC236}">
+                <a16:creationId xmlns:a16="http://schemas.microsoft.com/office/drawing/2014/main" id="{66E99F3A-C842-480D-8323-21CC7BFE0E3B}"/>
+              </a:ext>
+            </a:extLst>
+          </p:cNvPr>
+          <p:cNvSpPr/>
+          <p:nvPr/>
+        </p:nvSpPr>
+        <p:spPr>
+          <a:xfrm>
+            <a:off x="4912719" y="1834273"/>
+            <a:ext cx="2740612" cy="1376462"/>
+          </a:xfrm>
+          <a:prstGeom prst="ellipse">
+            <a:avLst/>
+          </a:prstGeom>
+          <a:noFill/>
+          <a:ln w="19050">
+            <a:solidFill>
+              <a:srgbClr val="FF0000"/>
+            </a:solidFill>
+          </a:ln>
+        </p:spPr>
+        <p:style>
+          <a:lnRef idx="2">
+            <a:schemeClr val="accent1">
+              <a:shade val="50000"/>
+            </a:schemeClr>
+          </a:lnRef>
+          <a:fillRef idx="1">
+            <a:schemeClr val="accent1"/>
+          </a:fillRef>
+          <a:effectRef idx="0">
+            <a:schemeClr val="accent1"/>
+          </a:effectRef>
+          <a:fontRef idx="minor">
+            <a:schemeClr val="lt1"/>
+          </a:fontRef>
+        </p:style>
+        <p:txBody>
+          <a:bodyPr rtlCol="0" anchor="ctr"/>
+          <a:lstStyle/>
+          <a:p>
+            <a:pPr algn="ctr"/>
+            <a:endParaRPr lang="en-GB" dirty="0"/>
+          </a:p>
+        </p:txBody>
+      </p:sp>
+      <p:sp>
+        <p:nvSpPr>
+          <p:cNvPr id="10" name="Ovaal 9">
+            <a:extLst>
+              <a:ext uri="{FF2B5EF4-FFF2-40B4-BE49-F238E27FC236}">
+                <a16:creationId xmlns:a16="http://schemas.microsoft.com/office/drawing/2014/main" id="{C4EA1F44-D623-4311-916F-7DBA58855DEE}"/>
+              </a:ext>
+            </a:extLst>
+          </p:cNvPr>
+          <p:cNvSpPr/>
+          <p:nvPr/>
+        </p:nvSpPr>
+        <p:spPr>
+          <a:xfrm rot="1398406">
+            <a:off x="9314193" y="1875582"/>
+            <a:ext cx="1928098" cy="1061845"/>
+          </a:xfrm>
+          <a:prstGeom prst="ellipse">
+            <a:avLst/>
+          </a:prstGeom>
+          <a:noFill/>
+          <a:ln w="19050">
+            <a:solidFill>
+              <a:srgbClr val="FF0000"/>
+            </a:solidFill>
+          </a:ln>
+        </p:spPr>
+        <p:style>
+          <a:lnRef idx="2">
+            <a:schemeClr val="accent1">
+              <a:shade val="50000"/>
+            </a:schemeClr>
+          </a:lnRef>
+          <a:fillRef idx="1">
+            <a:schemeClr val="accent1"/>
+          </a:fillRef>
+          <a:effectRef idx="0">
+            <a:schemeClr val="accent1"/>
+          </a:effectRef>
+          <a:fontRef idx="minor">
+            <a:schemeClr val="lt1"/>
+          </a:fontRef>
+        </p:style>
+        <p:txBody>
+          <a:bodyPr rtlCol="0" anchor="ctr"/>
+          <a:lstStyle/>
+          <a:p>
+            <a:pPr algn="ctr"/>
+            <a:endParaRPr lang="en-GB" dirty="0"/>
           </a:p>
         </p:txBody>
       </p:sp>
     </p:spTree>
     <p:extLst>
       <p:ext uri="{BB962C8B-B14F-4D97-AF65-F5344CB8AC3E}">
-        <p14:creationId xmlns:p14="http://schemas.microsoft.com/office/powerpoint/2010/main" val="1061232493"/>
+        <p14:creationId xmlns:p14="http://schemas.microsoft.com/office/powerpoint/2010/main" val="4062417040"/>
       </p:ext>
     </p:extLst>
   </p:cSld>
@@ -30176,7 +31082,7 @@
 </file>
 
 <file path=ppt/slides/slide51.xml><?xml version="1.0" encoding="utf-8"?>
-<p:sld xmlns:a="http://schemas.openxmlformats.org/drawingml/2006/main" xmlns:r="http://schemas.openxmlformats.org/officeDocument/2006/relationships" xmlns:p="http://schemas.openxmlformats.org/presentationml/2006/main" showMasterSp="0">
+<p:sld xmlns:a="http://schemas.openxmlformats.org/drawingml/2006/main" xmlns:r="http://schemas.openxmlformats.org/officeDocument/2006/relationships" xmlns:p="http://schemas.openxmlformats.org/presentationml/2006/main">
   <p:cSld>
     <p:spTree>
       <p:nvGrpSpPr>
@@ -30224,41 +31130,93 @@
                   <a:schemeClr val="accent1"/>
                 </a:solidFill>
               </a:rPr>
-              <a:t>1</a:t>
-            </a:r>
-            <a:r>
-              <a:rPr lang="en-GB" b="1" baseline="30000" dirty="0">
-                <a:solidFill>
-                  <a:schemeClr val="accent1"/>
-                </a:solidFill>
-              </a:rPr>
-              <a:t>st</a:t>
+              <a:t>2nd Predicted check coverage per floor </a:t>
             </a:r>
             <a:r>
               <a:rPr lang="en-GB" b="1" dirty="0">
                 <a:solidFill>
-                  <a:schemeClr val="accent1"/>
-                </a:solidFill>
-              </a:rPr>
-              <a:t> Predicted check coverage per floor </a:t>
-            </a:r>
-            <a:r>
-              <a:rPr lang="en-GB" b="1" dirty="0">
-                <a:solidFill>
                   <a:schemeClr val="accent2"/>
                 </a:solidFill>
               </a:rPr>
-              <a:t>B2</a:t>
+              <a:t>B0</a:t>
             </a:r>
           </a:p>
         </p:txBody>
       </p:sp>
       <p:pic>
         <p:nvPicPr>
-          <p:cNvPr id="8" name="Afbeelding 7">
-            <a:extLst>
-              <a:ext uri="{FF2B5EF4-FFF2-40B4-BE49-F238E27FC236}">
-                <a16:creationId xmlns:a16="http://schemas.microsoft.com/office/drawing/2014/main" id="{AD109F4F-7162-4D7E-9A64-235044A94157}"/>
+          <p:cNvPr id="4" name="Afbeelding 3">
+            <a:extLst>
+              <a:ext uri="{FF2B5EF4-FFF2-40B4-BE49-F238E27FC236}">
+                <a16:creationId xmlns:a16="http://schemas.microsoft.com/office/drawing/2014/main" id="{CE1186E0-F3B0-41E0-9D98-0778C1D5C995}"/>
+              </a:ext>
+            </a:extLst>
+          </p:cNvPr>
+          <p:cNvPicPr>
+            <a:picLocks noChangeAspect="1"/>
+          </p:cNvPicPr>
+          <p:nvPr/>
+        </p:nvPicPr>
+        <p:blipFill rotWithShape="1">
+          <a:blip r:embed="rId2"/>
+          <a:srcRect t="2548" r="2102" b="7638"/>
+          <a:stretch/>
+        </p:blipFill>
+        <p:spPr>
+          <a:xfrm>
+            <a:off x="165570" y="2130804"/>
+            <a:ext cx="5505388" cy="3254928"/>
+          </a:xfrm>
+          <a:prstGeom prst="rect">
+            <a:avLst/>
+          </a:prstGeom>
+        </p:spPr>
+      </p:pic>
+      <p:sp>
+        <p:nvSpPr>
+          <p:cNvPr id="3" name="Tekstvak 2">
+            <a:extLst>
+              <a:ext uri="{FF2B5EF4-FFF2-40B4-BE49-F238E27FC236}">
+                <a16:creationId xmlns:a16="http://schemas.microsoft.com/office/drawing/2014/main" id="{78F72FE6-3923-4DEC-9E49-3EFCD8C2A13B}"/>
+              </a:ext>
+            </a:extLst>
+          </p:cNvPr>
+          <p:cNvSpPr txBox="1"/>
+          <p:nvPr/>
+        </p:nvSpPr>
+        <p:spPr>
+          <a:xfrm>
+            <a:off x="1270904" y="1287602"/>
+            <a:ext cx="9798423" cy="369332"/>
+          </a:xfrm>
+          <a:prstGeom prst="rect">
+            <a:avLst/>
+          </a:prstGeom>
+          <a:noFill/>
+        </p:spPr>
+        <p:txBody>
+          <a:bodyPr wrap="square" rtlCol="0">
+            <a:spAutoFit/>
+          </a:bodyPr>
+          <a:lstStyle/>
+          <a:p>
+            <a:r>
+              <a:rPr lang="en-GB" b="1" dirty="0">
+                <a:solidFill>
+                  <a:schemeClr val="accent2"/>
+                </a:solidFill>
+              </a:rPr>
+              <a:t>Training							Validation</a:t>
+            </a:r>
+          </a:p>
+        </p:txBody>
+      </p:sp>
+      <p:pic>
+        <p:nvPicPr>
+          <p:cNvPr id="5" name="Afbeelding 4">
+            <a:extLst>
+              <a:ext uri="{FF2B5EF4-FFF2-40B4-BE49-F238E27FC236}">
+                <a16:creationId xmlns:a16="http://schemas.microsoft.com/office/drawing/2014/main" id="{970F1746-3C56-4997-A5C0-6D4241D68DCC}"/>
               </a:ext>
             </a:extLst>
           </p:cNvPr>
@@ -30268,128 +31226,25 @@
           <p:nvPr/>
         </p:nvPicPr>
         <p:blipFill>
-          <a:blip r:embed="rId2"/>
+          <a:blip r:embed="rId3"/>
           <a:stretch>
             <a:fillRect/>
           </a:stretch>
         </p:blipFill>
         <p:spPr>
           <a:xfrm>
-            <a:off x="82533" y="2968868"/>
-            <a:ext cx="5333480" cy="3027110"/>
+            <a:off x="5986025" y="1813085"/>
+            <a:ext cx="5511245" cy="3757313"/>
           </a:xfrm>
           <a:prstGeom prst="rect">
             <a:avLst/>
           </a:prstGeom>
         </p:spPr>
       </p:pic>
-      <p:sp>
-        <p:nvSpPr>
-          <p:cNvPr id="9" name="Tekstvak 8">
-            <a:extLst>
-              <a:ext uri="{FF2B5EF4-FFF2-40B4-BE49-F238E27FC236}">
-                <a16:creationId xmlns:a16="http://schemas.microsoft.com/office/drawing/2014/main" id="{B96E804D-D49F-406A-A9D5-C8205C791256}"/>
-              </a:ext>
-            </a:extLst>
-          </p:cNvPr>
-          <p:cNvSpPr txBox="1"/>
-          <p:nvPr/>
-        </p:nvSpPr>
-        <p:spPr>
-          <a:xfrm>
-            <a:off x="478035" y="2345466"/>
-            <a:ext cx="2743200" cy="338554"/>
-          </a:xfrm>
-          <a:prstGeom prst="rect">
-            <a:avLst/>
-          </a:prstGeom>
-          <a:noFill/>
-        </p:spPr>
-        <p:txBody>
-          <a:bodyPr wrap="square" rtlCol="0">
-            <a:spAutoFit/>
-          </a:bodyPr>
-          <a:lstStyle/>
-          <a:p>
-            <a:r>
-              <a:rPr lang="en-GB" sz="1600" b="1" dirty="0"/>
-              <a:t>Building 2 Log in Points</a:t>
-            </a:r>
-          </a:p>
-        </p:txBody>
-      </p:sp>
-      <p:pic>
-        <p:nvPicPr>
-          <p:cNvPr id="3" name="Afbeelding 2">
-            <a:extLst>
-              <a:ext uri="{FF2B5EF4-FFF2-40B4-BE49-F238E27FC236}">
-                <a16:creationId xmlns:a16="http://schemas.microsoft.com/office/drawing/2014/main" id="{6362DF51-CD8C-47CB-9AAE-5E3342416DB3}"/>
-              </a:ext>
-            </a:extLst>
-          </p:cNvPr>
-          <p:cNvPicPr>
-            <a:picLocks noChangeAspect="1"/>
-          </p:cNvPicPr>
-          <p:nvPr/>
-        </p:nvPicPr>
-        <p:blipFill rotWithShape="1">
-          <a:blip r:embed="rId3"/>
-          <a:srcRect t="2566" r="3203" b="6437"/>
-          <a:stretch/>
-        </p:blipFill>
-        <p:spPr>
-          <a:xfrm>
-            <a:off x="5291563" y="2060617"/>
-            <a:ext cx="6647575" cy="4437776"/>
-          </a:xfrm>
-          <a:prstGeom prst="rect">
-            <a:avLst/>
-          </a:prstGeom>
-        </p:spPr>
-      </p:pic>
-      <p:sp>
-        <p:nvSpPr>
-          <p:cNvPr id="6" name="Tekstvak 5">
-            <a:extLst>
-              <a:ext uri="{FF2B5EF4-FFF2-40B4-BE49-F238E27FC236}">
-                <a16:creationId xmlns:a16="http://schemas.microsoft.com/office/drawing/2014/main" id="{E8EA2002-340A-4B34-AC6E-F9F87DB62735}"/>
-              </a:ext>
-            </a:extLst>
-          </p:cNvPr>
-          <p:cNvSpPr txBox="1"/>
-          <p:nvPr/>
-        </p:nvSpPr>
-        <p:spPr>
-          <a:xfrm>
-            <a:off x="1313329" y="1432847"/>
-            <a:ext cx="9798423" cy="369332"/>
-          </a:xfrm>
-          <a:prstGeom prst="rect">
-            <a:avLst/>
-          </a:prstGeom>
-          <a:noFill/>
-        </p:spPr>
-        <p:txBody>
-          <a:bodyPr wrap="square" rtlCol="0">
-            <a:spAutoFit/>
-          </a:bodyPr>
-          <a:lstStyle/>
-          <a:p>
-            <a:r>
-              <a:rPr lang="en-GB" b="1" dirty="0">
-                <a:solidFill>
-                  <a:schemeClr val="accent2"/>
-                </a:solidFill>
-              </a:rPr>
-              <a:t>Training							Validation</a:t>
-            </a:r>
-          </a:p>
-        </p:txBody>
-      </p:sp>
     </p:spTree>
     <p:extLst>
       <p:ext uri="{BB962C8B-B14F-4D97-AF65-F5344CB8AC3E}">
-        <p14:creationId xmlns:p14="http://schemas.microsoft.com/office/powerpoint/2010/main" val="169473387"/>
+        <p14:creationId xmlns:p14="http://schemas.microsoft.com/office/powerpoint/2010/main" val="1494045420"/>
       </p:ext>
     </p:extLst>
   </p:cSld>
@@ -30418,170 +31273,55 @@
       </p:grpSpPr>
       <p:sp>
         <p:nvSpPr>
-          <p:cNvPr id="5" name="Tekstvak 4">
-            <a:extLst>
-              <a:ext uri="{FF2B5EF4-FFF2-40B4-BE49-F238E27FC236}">
-                <a16:creationId xmlns:a16="http://schemas.microsoft.com/office/drawing/2014/main" id="{543B9C31-494C-4800-8C93-097C7A8182D5}"/>
-              </a:ext>
-            </a:extLst>
-          </p:cNvPr>
-          <p:cNvSpPr txBox="1"/>
-          <p:nvPr/>
+          <p:cNvPr id="2" name="Titel 1">
+            <a:extLst>
+              <a:ext uri="{FF2B5EF4-FFF2-40B4-BE49-F238E27FC236}">
+                <a16:creationId xmlns:a16="http://schemas.microsoft.com/office/drawing/2014/main" id="{249BB2D2-3DCB-42B9-B892-12D70F9F8BC1}"/>
+              </a:ext>
+            </a:extLst>
+          </p:cNvPr>
+          <p:cNvSpPr>
+            <a:spLocks noGrp="1"/>
+          </p:cNvSpPr>
+          <p:nvPr>
+            <p:ph type="title"/>
+          </p:nvPr>
         </p:nvSpPr>
         <p:spPr>
           <a:xfrm>
-            <a:off x="6012110" y="489120"/>
-            <a:ext cx="6341969" cy="4401205"/>
-          </a:xfrm>
-          <a:prstGeom prst="rect">
-            <a:avLst/>
-          </a:prstGeom>
-          <a:noFill/>
+            <a:off x="728225" y="40743"/>
+            <a:ext cx="10515600" cy="1325563"/>
+          </a:xfrm>
         </p:spPr>
         <p:txBody>
-          <a:bodyPr wrap="square" rtlCol="0">
-            <a:spAutoFit/>
-          </a:bodyPr>
+          <a:bodyPr/>
           <a:lstStyle/>
           <a:p>
             <a:r>
-              <a:rPr lang="en-GB" sz="2800" b="1" dirty="0">
+              <a:rPr lang="en-GB" b="1" dirty="0">
                 <a:solidFill>
                   <a:schemeClr val="accent1"/>
                 </a:solidFill>
               </a:rPr>
-              <a:t>Predict with KNN-11 on validation data</a:t>
-            </a:r>
-          </a:p>
-          <a:p>
-            <a:endParaRPr lang="en-GB" sz="2800" dirty="0"/>
-          </a:p>
-          <a:p>
-            <a:endParaRPr lang="en-GB" sz="2800" dirty="0"/>
-          </a:p>
-          <a:p>
-            <a:pPr marL="285750" indent="-285750">
-              <a:buClr>
-                <a:schemeClr val="accent1"/>
-              </a:buClr>
-              <a:buFont typeface="Wingdings" panose="05000000000000000000" pitchFamily="2" charset="2"/>
-              <a:buChar char="Ø"/>
-            </a:pPr>
-            <a:r>
-              <a:rPr lang="en-GB" sz="2800" dirty="0"/>
-              <a:t> Subset of all observations</a:t>
-            </a:r>
-          </a:p>
-          <a:p>
-            <a:pPr marL="285750" indent="-285750">
-              <a:buClr>
-                <a:schemeClr val="accent1"/>
-              </a:buClr>
-              <a:buFont typeface="Wingdings" panose="05000000000000000000" pitchFamily="2" charset="2"/>
-              <a:buChar char="Ø"/>
-            </a:pPr>
-            <a:endParaRPr lang="en-GB" sz="2800" dirty="0"/>
-          </a:p>
-          <a:p>
-            <a:pPr marL="285750" indent="-285750">
-              <a:buClr>
-                <a:schemeClr val="accent1"/>
-              </a:buClr>
-              <a:buFont typeface="Wingdings" panose="05000000000000000000" pitchFamily="2" charset="2"/>
-              <a:buChar char="Ø"/>
-            </a:pPr>
-            <a:r>
-              <a:rPr lang="en-GB" sz="2800" dirty="0"/>
-              <a:t> Per building</a:t>
-            </a:r>
-          </a:p>
-          <a:p>
-            <a:pPr marL="285750" indent="-285750">
-              <a:buClr>
-                <a:schemeClr val="accent1"/>
-              </a:buClr>
-              <a:buFont typeface="Wingdings" panose="05000000000000000000" pitchFamily="2" charset="2"/>
-              <a:buChar char="Ø"/>
-            </a:pPr>
-            <a:endParaRPr lang="en-GB" sz="2800" dirty="0"/>
-          </a:p>
-          <a:p>
-            <a:pPr marL="285750" indent="-285750">
-              <a:buClr>
-                <a:schemeClr val="accent1"/>
-              </a:buClr>
-              <a:buFont typeface="Wingdings" panose="05000000000000000000" pitchFamily="2" charset="2"/>
-              <a:buChar char="Ø"/>
-            </a:pPr>
-            <a:r>
-              <a:rPr lang="en-GB" sz="2800" dirty="0"/>
-              <a:t> For Latitude, Longitude, Floor</a:t>
-            </a:r>
-          </a:p>
-          <a:p>
-            <a:pPr marL="285750" indent="-285750">
-              <a:buClr>
-                <a:schemeClr val="accent1"/>
-              </a:buClr>
-              <a:buFont typeface="Wingdings" panose="05000000000000000000" pitchFamily="2" charset="2"/>
-              <a:buChar char="Ø"/>
-            </a:pPr>
-            <a:endParaRPr lang="en-GB" sz="2800" dirty="0"/>
-          </a:p>
-          <a:p>
-            <a:pPr algn="ctr">
-              <a:buClr>
-                <a:schemeClr val="accent1"/>
-              </a:buClr>
-            </a:pPr>
-            <a:r>
-              <a:rPr lang="en-GB" sz="1400" dirty="0" err="1"/>
-              <a:t>TuneLength</a:t>
-            </a:r>
-            <a:r>
-              <a:rPr lang="en-GB" sz="1400" dirty="0"/>
-              <a:t> = 5, </a:t>
-            </a:r>
-            <a:r>
-              <a:rPr lang="en-GB" sz="1400" dirty="0" err="1"/>
-              <a:t>verboseIter</a:t>
-            </a:r>
-            <a:r>
-              <a:rPr lang="en-GB" sz="1400" dirty="0"/>
-              <a:t> = True, </a:t>
-            </a:r>
-          </a:p>
-          <a:p>
-            <a:pPr algn="ctr">
-              <a:buClr>
-                <a:schemeClr val="accent1"/>
-              </a:buClr>
-            </a:pPr>
-            <a:r>
-              <a:rPr lang="en-GB" sz="1400" dirty="0" err="1"/>
-              <a:t>preProcess</a:t>
-            </a:r>
-            <a:r>
-              <a:rPr lang="en-GB" sz="1400" dirty="0"/>
-              <a:t> = c(“</a:t>
-            </a:r>
-            <a:r>
-              <a:rPr lang="en-GB" sz="1400" dirty="0" err="1"/>
-              <a:t>zv</a:t>
-            </a:r>
-            <a:r>
-              <a:rPr lang="en-GB" sz="1400" dirty="0"/>
-              <a:t>”)</a:t>
+              <a:t>2nd Predicted check coverage per floor </a:t>
+            </a:r>
+            <a:r>
+              <a:rPr lang="en-GB" b="1" dirty="0">
+                <a:solidFill>
+                  <a:schemeClr val="accent2"/>
+                </a:solidFill>
+              </a:rPr>
+              <a:t>B1</a:t>
             </a:r>
           </a:p>
         </p:txBody>
       </p:sp>
       <p:pic>
         <p:nvPicPr>
-          <p:cNvPr id="6" name="Graphic 5" descr="Rotje">
-            <a:extLst>
-              <a:ext uri="{FF2B5EF4-FFF2-40B4-BE49-F238E27FC236}">
-                <a16:creationId xmlns:a16="http://schemas.microsoft.com/office/drawing/2014/main" id="{6E41CCD6-59D6-4A91-909F-C3372DAA15E4}"/>
+          <p:cNvPr id="6" name="Afbeelding 5">
+            <a:extLst>
+              <a:ext uri="{FF2B5EF4-FFF2-40B4-BE49-F238E27FC236}">
+                <a16:creationId xmlns:a16="http://schemas.microsoft.com/office/drawing/2014/main" id="{5BD9CB76-A08B-4A9F-9EE6-94C3CDB1B95B}"/>
               </a:ext>
             </a:extLst>
           </p:cNvPr>
@@ -30591,24 +31331,119 @@
           <p:nvPr/>
         </p:nvPicPr>
         <p:blipFill>
-          <a:blip r:embed="rId2">
-            <a:extLst>
-              <a:ext uri="{28A0092B-C50C-407E-A947-70E740481C1C}">
-                <a14:useLocalDpi xmlns:a14="http://schemas.microsoft.com/office/drawing/2010/main" val="0"/>
-              </a:ext>
-              <a:ext uri="{96DAC541-7B7A-43D3-8B79-37D633B846F1}">
-                <asvg:svgBlip xmlns:asvg="http://schemas.microsoft.com/office/drawing/2016/SVG/main" r:embed="rId3"/>
-              </a:ext>
-            </a:extLst>
-          </a:blip>
+          <a:blip r:embed="rId2"/>
           <a:stretch>
             <a:fillRect/>
           </a:stretch>
         </p:blipFill>
         <p:spPr>
           <a:xfrm>
-            <a:off x="-89647" y="833718"/>
-            <a:ext cx="6185647" cy="6185647"/>
+            <a:off x="0" y="2294618"/>
+            <a:ext cx="5829176" cy="3644787"/>
+          </a:xfrm>
+          <a:prstGeom prst="rect">
+            <a:avLst/>
+          </a:prstGeom>
+        </p:spPr>
+      </p:pic>
+      <p:sp>
+        <p:nvSpPr>
+          <p:cNvPr id="7" name="Tekstvak 6">
+            <a:extLst>
+              <a:ext uri="{FF2B5EF4-FFF2-40B4-BE49-F238E27FC236}">
+                <a16:creationId xmlns:a16="http://schemas.microsoft.com/office/drawing/2014/main" id="{EEA0AB34-1271-4E4B-B06E-1E91AD4E2F30}"/>
+              </a:ext>
+            </a:extLst>
+          </p:cNvPr>
+          <p:cNvSpPr txBox="1"/>
+          <p:nvPr/>
+        </p:nvSpPr>
+        <p:spPr>
+          <a:xfrm>
+            <a:off x="1191433" y="1934407"/>
+            <a:ext cx="2743200" cy="338554"/>
+          </a:xfrm>
+          <a:prstGeom prst="rect">
+            <a:avLst/>
+          </a:prstGeom>
+          <a:noFill/>
+        </p:spPr>
+        <p:txBody>
+          <a:bodyPr wrap="square" rtlCol="0">
+            <a:spAutoFit/>
+          </a:bodyPr>
+          <a:lstStyle/>
+          <a:p>
+            <a:r>
+              <a:rPr lang="en-GB" sz="1600" b="1" dirty="0"/>
+              <a:t>Building 1 Log in Points</a:t>
+            </a:r>
+          </a:p>
+        </p:txBody>
+      </p:sp>
+      <p:sp>
+        <p:nvSpPr>
+          <p:cNvPr id="8" name="Tekstvak 7">
+            <a:extLst>
+              <a:ext uri="{FF2B5EF4-FFF2-40B4-BE49-F238E27FC236}">
+                <a16:creationId xmlns:a16="http://schemas.microsoft.com/office/drawing/2014/main" id="{C373949F-B01C-4279-862A-649F2E27E2C0}"/>
+              </a:ext>
+            </a:extLst>
+          </p:cNvPr>
+          <p:cNvSpPr txBox="1"/>
+          <p:nvPr/>
+        </p:nvSpPr>
+        <p:spPr>
+          <a:xfrm>
+            <a:off x="1196788" y="1382630"/>
+            <a:ext cx="9798423" cy="369332"/>
+          </a:xfrm>
+          <a:prstGeom prst="rect">
+            <a:avLst/>
+          </a:prstGeom>
+          <a:noFill/>
+        </p:spPr>
+        <p:txBody>
+          <a:bodyPr wrap="square" rtlCol="0">
+            <a:spAutoFit/>
+          </a:bodyPr>
+          <a:lstStyle/>
+          <a:p>
+            <a:r>
+              <a:rPr lang="en-GB" b="1" dirty="0">
+                <a:solidFill>
+                  <a:schemeClr val="accent2"/>
+                </a:solidFill>
+              </a:rPr>
+              <a:t>Training							Validation</a:t>
+            </a:r>
+          </a:p>
+        </p:txBody>
+      </p:sp>
+      <p:pic>
+        <p:nvPicPr>
+          <p:cNvPr id="4" name="Afbeelding 3">
+            <a:extLst>
+              <a:ext uri="{FF2B5EF4-FFF2-40B4-BE49-F238E27FC236}">
+                <a16:creationId xmlns:a16="http://schemas.microsoft.com/office/drawing/2014/main" id="{025777C6-0AC6-4C0A-8A75-8D127B548BB0}"/>
+              </a:ext>
+            </a:extLst>
+          </p:cNvPr>
+          <p:cNvPicPr>
+            <a:picLocks noChangeAspect="1"/>
+          </p:cNvPicPr>
+          <p:nvPr/>
+        </p:nvPicPr>
+        <p:blipFill>
+          <a:blip r:embed="rId3"/>
+          <a:stretch>
+            <a:fillRect/>
+          </a:stretch>
+        </p:blipFill>
+        <p:spPr>
+          <a:xfrm>
+            <a:off x="5910524" y="1946639"/>
+            <a:ext cx="5869283" cy="3992766"/>
           </a:xfrm>
           <a:prstGeom prst="rect">
             <a:avLst/>
@@ -30618,7 +31453,7 @@
     </p:spTree>
     <p:extLst>
       <p:ext uri="{BB962C8B-B14F-4D97-AF65-F5344CB8AC3E}">
-        <p14:creationId xmlns:p14="http://schemas.microsoft.com/office/powerpoint/2010/main" val="4293553453"/>
+        <p14:creationId xmlns:p14="http://schemas.microsoft.com/office/powerpoint/2010/main" val="693923909"/>
       </p:ext>
     </p:extLst>
   </p:cSld>
@@ -30629,7 +31464,7 @@
 </file>
 
 <file path=ppt/slides/slide53.xml><?xml version="1.0" encoding="utf-8"?>
-<p:sld xmlns:a="http://schemas.openxmlformats.org/drawingml/2006/main" xmlns:r="http://schemas.openxmlformats.org/officeDocument/2006/relationships" xmlns:p="http://schemas.openxmlformats.org/presentationml/2006/main" showMasterSp="0">
+<p:sld xmlns:a="http://schemas.openxmlformats.org/drawingml/2006/main" xmlns:r="http://schemas.openxmlformats.org/officeDocument/2006/relationships" xmlns:p="http://schemas.openxmlformats.org/presentationml/2006/main">
   <p:cSld>
     <p:spTree>
       <p:nvGrpSpPr>
@@ -30650,7 +31485,7 @@
           <p:cNvPr id="2" name="Titel 1">
             <a:extLst>
               <a:ext uri="{FF2B5EF4-FFF2-40B4-BE49-F238E27FC236}">
-                <a16:creationId xmlns:a16="http://schemas.microsoft.com/office/drawing/2014/main" id="{D87F7452-903D-4699-8E7F-995D3A16A9FC}"/>
+                <a16:creationId xmlns:a16="http://schemas.microsoft.com/office/drawing/2014/main" id="{249BB2D2-3DCB-42B9-B892-12D70F9F8BC1}"/>
               </a:ext>
             </a:extLst>
           </p:cNvPr>
@@ -30663,7 +31498,7 @@
         </p:nvSpPr>
         <p:spPr>
           <a:xfrm>
-            <a:off x="358629" y="152503"/>
+            <a:off x="728225" y="40743"/>
             <a:ext cx="10515600" cy="1325563"/>
           </a:xfrm>
         </p:spPr>
@@ -30672,28 +31507,12 @@
           <a:lstStyle/>
           <a:p>
             <a:r>
-              <a:rPr lang="en-GB" dirty="0">
+              <a:rPr lang="en-GB" b="1" dirty="0">
                 <a:solidFill>
                   <a:schemeClr val="accent1"/>
                 </a:solidFill>
               </a:rPr>
-              <a:t>2</a:t>
-            </a:r>
-            <a:r>
-              <a:rPr lang="en-GB" baseline="30000" dirty="0">
-                <a:solidFill>
-                  <a:schemeClr val="accent1"/>
-                </a:solidFill>
-              </a:rPr>
-              <a:t>nd</a:t>
-            </a:r>
-            <a:r>
-              <a:rPr lang="en-GB" dirty="0">
-                <a:solidFill>
-                  <a:schemeClr val="accent1"/>
-                </a:solidFill>
-              </a:rPr>
-              <a:t> prediction with </a:t>
+              <a:t>2nd Predicted check coverage per floor </a:t>
             </a:r>
             <a:r>
               <a:rPr lang="en-GB" b="1" dirty="0">
@@ -30701,17 +31520,47 @@
                   <a:schemeClr val="accent2"/>
                 </a:solidFill>
               </a:rPr>
-              <a:t>KNN – 11</a:t>
+              <a:t>B2</a:t>
             </a:r>
           </a:p>
         </p:txBody>
       </p:sp>
+      <p:pic>
+        <p:nvPicPr>
+          <p:cNvPr id="8" name="Afbeelding 7">
+            <a:extLst>
+              <a:ext uri="{FF2B5EF4-FFF2-40B4-BE49-F238E27FC236}">
+                <a16:creationId xmlns:a16="http://schemas.microsoft.com/office/drawing/2014/main" id="{AD109F4F-7162-4D7E-9A64-235044A94157}"/>
+              </a:ext>
+            </a:extLst>
+          </p:cNvPr>
+          <p:cNvPicPr>
+            <a:picLocks noChangeAspect="1"/>
+          </p:cNvPicPr>
+          <p:nvPr/>
+        </p:nvPicPr>
+        <p:blipFill>
+          <a:blip r:embed="rId2"/>
+          <a:stretch>
+            <a:fillRect/>
+          </a:stretch>
+        </p:blipFill>
+        <p:spPr>
+          <a:xfrm>
+            <a:off x="82533" y="2968868"/>
+            <a:ext cx="5333480" cy="3027110"/>
+          </a:xfrm>
+          <a:prstGeom prst="rect">
+            <a:avLst/>
+          </a:prstGeom>
+        </p:spPr>
+      </p:pic>
       <p:sp>
         <p:nvSpPr>
-          <p:cNvPr id="4" name="Tekstvak 3">
-            <a:extLst>
-              <a:ext uri="{FF2B5EF4-FFF2-40B4-BE49-F238E27FC236}">
-                <a16:creationId xmlns:a16="http://schemas.microsoft.com/office/drawing/2014/main" id="{C7612A2E-42E0-4676-A87C-F88379C6483D}"/>
+          <p:cNvPr id="9" name="Tekstvak 8">
+            <a:extLst>
+              <a:ext uri="{FF2B5EF4-FFF2-40B4-BE49-F238E27FC236}">
+                <a16:creationId xmlns:a16="http://schemas.microsoft.com/office/drawing/2014/main" id="{B96E804D-D49F-406A-A9D5-C8205C791256}"/>
               </a:ext>
             </a:extLst>
           </p:cNvPr>
@@ -30720,8 +31569,8 @@
         </p:nvSpPr>
         <p:spPr>
           <a:xfrm>
-            <a:off x="1100356" y="1777172"/>
-            <a:ext cx="4110606" cy="2031325"/>
+            <a:off x="478035" y="2345466"/>
+            <a:ext cx="2743200" cy="338554"/>
           </a:xfrm>
           <a:prstGeom prst="rect">
             <a:avLst/>
@@ -30735,199 +31584,9 @@
           <a:lstStyle/>
           <a:p>
             <a:r>
-              <a:rPr lang="en-GB" dirty="0"/>
-              <a:t>Fit_lat_B0 &lt;- train(LATITUDE ~., </a:t>
-            </a:r>
-          </a:p>
-          <a:p>
-            <a:r>
-              <a:rPr lang="en-GB" dirty="0"/>
-              <a:t>                    data = training_B0_lat, </a:t>
-            </a:r>
-          </a:p>
-          <a:p>
-            <a:r>
-              <a:rPr lang="en-GB" dirty="0"/>
-              <a:t>                    method = "</a:t>
-            </a:r>
-            <a:r>
-              <a:rPr lang="en-GB" dirty="0" err="1"/>
-              <a:t>kknn</a:t>
-            </a:r>
-            <a:r>
-              <a:rPr lang="en-GB" dirty="0"/>
-              <a:t>", </a:t>
-            </a:r>
-          </a:p>
-          <a:p>
-            <a:r>
-              <a:rPr lang="en-GB" dirty="0"/>
-              <a:t>                    </a:t>
-            </a:r>
-            <a:r>
-              <a:rPr lang="en-GB" dirty="0" err="1"/>
-              <a:t>trControl</a:t>
-            </a:r>
-            <a:r>
-              <a:rPr lang="en-GB" dirty="0"/>
-              <a:t>=</a:t>
-            </a:r>
-            <a:r>
-              <a:rPr lang="en-GB" dirty="0" err="1"/>
-              <a:t>fitControl</a:t>
-            </a:r>
-            <a:r>
-              <a:rPr lang="en-GB" dirty="0"/>
-              <a:t>, </a:t>
-            </a:r>
-          </a:p>
-          <a:p>
-            <a:r>
-              <a:rPr lang="en-GB" dirty="0"/>
-              <a:t>                    </a:t>
-            </a:r>
-            <a:r>
-              <a:rPr lang="en-GB" dirty="0" err="1"/>
-              <a:t>tuneLength</a:t>
-            </a:r>
-            <a:r>
-              <a:rPr lang="en-GB" dirty="0"/>
-              <a:t> = </a:t>
-            </a:r>
-            <a:r>
-              <a:rPr lang="en-GB" dirty="0">
-                <a:solidFill>
-                  <a:srgbClr val="FF0000"/>
-                </a:solidFill>
-              </a:rPr>
-              <a:t>11</a:t>
-            </a:r>
-            <a:r>
-              <a:rPr lang="en-GB" dirty="0"/>
-              <a:t>,</a:t>
-            </a:r>
-          </a:p>
-          <a:p>
-            <a:r>
-              <a:rPr lang="en-GB" dirty="0"/>
-              <a:t>                    </a:t>
-            </a:r>
-            <a:r>
-              <a:rPr lang="en-GB" dirty="0" err="1"/>
-              <a:t>verboseIter</a:t>
-            </a:r>
-            <a:r>
-              <a:rPr lang="en-GB" dirty="0"/>
-              <a:t> = TRUE,</a:t>
-            </a:r>
-          </a:p>
-          <a:p>
-            <a:r>
-              <a:rPr lang="en-GB" dirty="0"/>
-              <a:t>                    </a:t>
-            </a:r>
-            <a:r>
-              <a:rPr lang="en-GB" dirty="0" err="1"/>
-              <a:t>preProcess</a:t>
-            </a:r>
-            <a:r>
-              <a:rPr lang="en-GB" dirty="0"/>
-              <a:t> = c("</a:t>
-            </a:r>
-            <a:r>
-              <a:rPr lang="en-GB" dirty="0" err="1"/>
-              <a:t>zv</a:t>
-            </a:r>
-            <a:r>
-              <a:rPr lang="en-GB" dirty="0"/>
-              <a:t>"))</a:t>
-            </a:r>
-          </a:p>
-        </p:txBody>
-      </p:sp>
-      <p:sp>
-        <p:nvSpPr>
-          <p:cNvPr id="5" name="Rechthoek 4">
-            <a:extLst>
-              <a:ext uri="{FF2B5EF4-FFF2-40B4-BE49-F238E27FC236}">
-                <a16:creationId xmlns:a16="http://schemas.microsoft.com/office/drawing/2014/main" id="{5A8AF3AC-8018-4A5F-BB8E-1C45C62D013B}"/>
-              </a:ext>
-            </a:extLst>
-          </p:cNvPr>
-          <p:cNvSpPr/>
-          <p:nvPr/>
-        </p:nvSpPr>
-        <p:spPr>
-          <a:xfrm>
-            <a:off x="1212127" y="4740885"/>
-            <a:ext cx="9373299" cy="1477328"/>
-          </a:xfrm>
-          <a:prstGeom prst="rect">
-            <a:avLst/>
-          </a:prstGeom>
-        </p:spPr>
-        <p:txBody>
-          <a:bodyPr wrap="square">
-            <a:spAutoFit/>
-          </a:bodyPr>
-          <a:lstStyle/>
-          <a:p>
-            <a:r>
-              <a:rPr lang="en-US" dirty="0"/>
-              <a:t>Removed the parameter “</a:t>
-            </a:r>
-            <a:r>
-              <a:rPr lang="en-US" dirty="0" err="1"/>
-              <a:t>medianImpute</a:t>
-            </a:r>
-            <a:r>
-              <a:rPr lang="en-US" dirty="0"/>
-              <a:t>” from </a:t>
-            </a:r>
-            <a:r>
-              <a:rPr lang="en-US" dirty="0" err="1"/>
-              <a:t>preProcess</a:t>
-            </a:r>
-            <a:endParaRPr lang="en-US" dirty="0"/>
-          </a:p>
-          <a:p>
-            <a:endParaRPr lang="en-US" dirty="0"/>
-          </a:p>
-          <a:p>
-            <a:r>
-              <a:rPr lang="en-US" dirty="0"/>
-              <a:t>10 fold cross validation, folds is 10, repeats 10----</a:t>
-            </a:r>
-          </a:p>
-          <a:p>
-            <a:endParaRPr lang="en-US" dirty="0"/>
-          </a:p>
-          <a:p>
-            <a:r>
-              <a:rPr lang="en-US" dirty="0" err="1"/>
-              <a:t>fitControl</a:t>
-            </a:r>
-            <a:r>
-              <a:rPr lang="en-US" dirty="0"/>
-              <a:t> &lt;- </a:t>
-            </a:r>
-            <a:r>
-              <a:rPr lang="en-US" dirty="0" err="1"/>
-              <a:t>trainControl</a:t>
-            </a:r>
-            <a:r>
-              <a:rPr lang="en-US" dirty="0"/>
-              <a:t>(method = "</a:t>
-            </a:r>
-            <a:r>
-              <a:rPr lang="en-US" dirty="0" err="1"/>
-              <a:t>repeatedcv</a:t>
-            </a:r>
-            <a:r>
-              <a:rPr lang="en-US" dirty="0"/>
-              <a:t>", number = 10, repeats = 10)</a:t>
-            </a:r>
-            <a:endParaRPr lang="en-GB" dirty="0"/>
+              <a:rPr lang="en-GB" sz="1600" b="1" dirty="0"/>
+              <a:t>Building 2 Log in Points</a:t>
+            </a:r>
           </a:p>
         </p:txBody>
       </p:sp>
@@ -30936,7 +31595,7 @@
           <p:cNvPr id="6" name="Tekstvak 5">
             <a:extLst>
               <a:ext uri="{FF2B5EF4-FFF2-40B4-BE49-F238E27FC236}">
-                <a16:creationId xmlns:a16="http://schemas.microsoft.com/office/drawing/2014/main" id="{2F5BB882-A7DC-4A14-87A0-F75EC2B89C20}"/>
+                <a16:creationId xmlns:a16="http://schemas.microsoft.com/office/drawing/2014/main" id="{E8EA2002-340A-4B34-AC6E-F9F87DB62735}"/>
               </a:ext>
             </a:extLst>
           </p:cNvPr>
@@ -30945,8 +31604,8 @@
         </p:nvSpPr>
         <p:spPr>
           <a:xfrm>
-            <a:off x="6912528" y="1378451"/>
-            <a:ext cx="4995646" cy="2862322"/>
+            <a:off x="1313329" y="1432847"/>
+            <a:ext cx="9798423" cy="369332"/>
           </a:xfrm>
           <a:prstGeom prst="rect">
             <a:avLst/>
@@ -30960,69 +31619,50 @@
           <a:lstStyle/>
           <a:p>
             <a:r>
-              <a:rPr lang="en-GB" dirty="0"/>
-              <a:t>Rule for k-NN is to use a k equal to the square root of the number of training examples.</a:t>
-            </a:r>
-          </a:p>
-          <a:p>
-            <a:endParaRPr lang="en-GB" dirty="0"/>
-          </a:p>
-          <a:p>
-            <a:r>
-              <a:rPr lang="en-GB" dirty="0"/>
-              <a:t>	</a:t>
-            </a:r>
-            <a:r>
               <a:rPr lang="en-GB" b="1" dirty="0">
                 <a:solidFill>
-                  <a:schemeClr val="accent1"/>
-                </a:solidFill>
-              </a:rPr>
-              <a:t>training examples		square root</a:t>
-            </a:r>
-          </a:p>
-          <a:p>
-            <a:r>
-              <a:rPr lang="en-GB" dirty="0"/>
-              <a:t>B0 Lat/long 	3938 	- 	√ 62,75</a:t>
-            </a:r>
-          </a:p>
-          <a:p>
-            <a:r>
-              <a:rPr lang="en-GB" dirty="0"/>
-              <a:t>B0 Floor 		3870 	- 	√ 62,21</a:t>
-            </a:r>
-          </a:p>
-          <a:p>
-            <a:r>
-              <a:rPr lang="en-GB" dirty="0"/>
-              <a:t>B1 Lat/Long 	3871 	- 	√ 62,22</a:t>
-            </a:r>
-          </a:p>
-          <a:p>
-            <a:r>
-              <a:rPr lang="en-GB" dirty="0"/>
-              <a:t>B1 Floor 		3870 	- 	√ 62,21</a:t>
-            </a:r>
-          </a:p>
-          <a:p>
-            <a:r>
-              <a:rPr lang="en-GB" dirty="0"/>
-              <a:t>B2 Long/Lat  	7093 	- 	√ 84,22</a:t>
-            </a:r>
-          </a:p>
-          <a:p>
-            <a:r>
-              <a:rPr lang="en-GB" dirty="0"/>
-              <a:t>B2 Floor 	 	7092 	- 	√ 84,21</a:t>
+                  <a:schemeClr val="accent2"/>
+                </a:solidFill>
+              </a:rPr>
+              <a:t>Training							Validation</a:t>
             </a:r>
           </a:p>
         </p:txBody>
       </p:sp>
+      <p:pic>
+        <p:nvPicPr>
+          <p:cNvPr id="4" name="Afbeelding 3">
+            <a:extLst>
+              <a:ext uri="{FF2B5EF4-FFF2-40B4-BE49-F238E27FC236}">
+                <a16:creationId xmlns:a16="http://schemas.microsoft.com/office/drawing/2014/main" id="{C87A776C-5469-4134-9F1B-4A7E6A08D977}"/>
+              </a:ext>
+            </a:extLst>
+          </p:cNvPr>
+          <p:cNvPicPr>
+            <a:picLocks noChangeAspect="1"/>
+          </p:cNvPicPr>
+          <p:nvPr/>
+        </p:nvPicPr>
+        <p:blipFill>
+          <a:blip r:embed="rId3"/>
+          <a:stretch>
+            <a:fillRect/>
+          </a:stretch>
+        </p:blipFill>
+        <p:spPr>
+          <a:xfrm>
+            <a:off x="5986025" y="2112193"/>
+            <a:ext cx="5338519" cy="3818473"/>
+          </a:xfrm>
+          <a:prstGeom prst="rect">
+            <a:avLst/>
+          </a:prstGeom>
+        </p:spPr>
+      </p:pic>
     </p:spTree>
     <p:extLst>
       <p:ext uri="{BB962C8B-B14F-4D97-AF65-F5344CB8AC3E}">
-        <p14:creationId xmlns:p14="http://schemas.microsoft.com/office/powerpoint/2010/main" val="2589638218"/>
+        <p14:creationId xmlns:p14="http://schemas.microsoft.com/office/powerpoint/2010/main" val="1252823987"/>
       </p:ext>
     </p:extLst>
   </p:cSld>
